--- a/Listas y listas simples enlazadas.pptx
+++ b/Listas y listas simples enlazadas.pptx
@@ -26,37 +26,39 @@
     <p:sldId id="274" r:id="rId24"/>
     <p:sldId id="275" r:id="rId25"/>
     <p:sldId id="276" r:id="rId26"/>
+    <p:sldId id="277" r:id="rId27"/>
+    <p:sldId id="278" r:id="rId28"/>
   </p:sldIdLst>
   <p:sldSz cx="18288000" cy="10287000"/>
   <p:notesSz cx="6858000" cy="9144000"/>
   <p:embeddedFontLst>
     <p:embeddedFont>
       <p:font typeface="Anton" charset="1" panose="00000500000000000000"/>
-      <p:regular r:id="rId27"/>
+      <p:regular r:id="rId29"/>
     </p:embeddedFont>
     <p:embeddedFont>
       <p:font typeface="Questrial" charset="1" panose="02000000000000000000"/>
-      <p:regular r:id="rId28"/>
+      <p:regular r:id="rId30"/>
     </p:embeddedFont>
     <p:embeddedFont>
       <p:font typeface="Open Sans Italics" charset="1" panose="020B0606030504020204"/>
-      <p:regular r:id="rId29"/>
+      <p:regular r:id="rId31"/>
     </p:embeddedFont>
     <p:embeddedFont>
       <p:font typeface="Canva Sans Bold" charset="1" panose="020B0803030501040103"/>
-      <p:regular r:id="rId30"/>
+      <p:regular r:id="rId32"/>
     </p:embeddedFont>
     <p:embeddedFont>
       <p:font typeface="Canva Sans" charset="1" panose="020B0503030501040103"/>
-      <p:regular r:id="rId31"/>
+      <p:regular r:id="rId33"/>
     </p:embeddedFont>
     <p:embeddedFont>
       <p:font typeface="Open Sans" charset="1" panose="020B0606030504020204"/>
-      <p:regular r:id="rId32"/>
+      <p:regular r:id="rId34"/>
     </p:embeddedFont>
     <p:embeddedFont>
       <p:font typeface="Lucida Console" charset="1" panose="020B0609040504020204"/>
-      <p:regular r:id="rId33"/>
+      <p:regular r:id="rId35"/>
     </p:embeddedFont>
   </p:embeddedFontLst>
   <p:defaultTextStyle>
@@ -4070,7 +4072,7 @@
         </p:nvSpPr>
         <p:spPr>
           <a:xfrm rot="0">
-            <a:off x="798870" y="3834968"/>
+            <a:off x="846495" y="3834968"/>
             <a:ext cx="9078069" cy="5355800"/>
           </a:xfrm>
           <a:prstGeom prst="rect">
@@ -6039,6 +6041,1124 @@
 </file>
 
 <file path=ppt/slides/slide19.xml><?xml version="1.0" encoding="utf-8"?>
+<p:sld xmlns:p="http://schemas.openxmlformats.org/presentationml/2006/main" xmlns:a="http://schemas.openxmlformats.org/drawingml/2006/main">
+  <p:cSld>
+    <p:bg>
+      <p:bgPr>
+        <a:solidFill>
+          <a:srgbClr val="5E5BA9"/>
+        </a:solidFill>
+      </p:bgPr>
+    </p:bg>
+    <p:spTree>
+      <p:nvGrpSpPr>
+        <p:cNvPr id="1" name=""/>
+        <p:cNvGrpSpPr/>
+        <p:nvPr/>
+      </p:nvGrpSpPr>
+      <p:grpSpPr>
+        <a:xfrm>
+          <a:off x="0" y="0"/>
+          <a:ext cx="0" cy="0"/>
+          <a:chOff x="0" y="0"/>
+          <a:chExt cx="0" cy="0"/>
+        </a:xfrm>
+      </p:grpSpPr>
+      <p:graphicFrame>
+        <p:nvGraphicFramePr>
+          <p:cNvPr name="Table 2" id="2"/>
+          <p:cNvGraphicFramePr>
+            <a:graphicFrameLocks noGrp="true"/>
+          </p:cNvGraphicFramePr>
+          <p:nvPr/>
+        </p:nvGraphicFramePr>
+        <p:xfrm>
+          <a:off x="1028700" y="3609397"/>
+          <a:ext cx="13884950" cy="5313756"/>
+        </p:xfrm>
+        <a:graphic>
+          <a:graphicData uri="http://schemas.openxmlformats.org/drawingml/2006/table">
+            <a:tbl>
+              <a:tblPr/>
+              <a:tblGrid>
+                <a:gridCol w="3518430"/>
+                <a:gridCol w="3518430"/>
+                <a:gridCol w="6848089"/>
+              </a:tblGrid>
+              <a:tr h="946678">
+                <a:tc>
+                  <a:txBody>
+                    <a:bodyPr anchor="t" rtlCol="false"/>
+                    <a:lstStyle/>
+                    <a:p>
+                      <a:pPr algn="l">
+                        <a:lnSpc>
+                          <a:spcPts val="2379"/>
+                        </a:lnSpc>
+                        <a:defRPr/>
+                      </a:pPr>
+                      <a:endParaRPr lang="en-US" sz="1100"/>
+                    </a:p>
+                  </a:txBody>
+                  <a:tcPr marL="190500" marR="190500" marT="190500" marB="190500" anchor="ctr">
+                    <a:lnL cmpd="sng" algn="ctr" cap="flat" w="28575">
+                      <a:solidFill>
+                        <a:srgbClr val="FFFFFF"/>
+                      </a:solidFill>
+                      <a:prstDash val="solid"/>
+                      <a:round/>
+                      <a:headEnd type="none" w="med" len="med"/>
+                      <a:tailEnd type="none" w="med" len="med"/>
+                    </a:lnL>
+                    <a:lnR cmpd="sng" algn="ctr" cap="flat" w="28575">
+                      <a:solidFill>
+                        <a:srgbClr val="FFFFFF"/>
+                      </a:solidFill>
+                      <a:prstDash val="solid"/>
+                      <a:round/>
+                      <a:headEnd type="none" w="med" len="med"/>
+                      <a:tailEnd type="none" w="med" len="med"/>
+                    </a:lnR>
+                    <a:lnT cmpd="sng" algn="ctr" cap="flat" w="28575">
+                      <a:solidFill>
+                        <a:srgbClr val="FFFFFF"/>
+                      </a:solidFill>
+                      <a:prstDash val="solid"/>
+                      <a:round/>
+                      <a:headEnd type="none" w="med" len="med"/>
+                      <a:tailEnd type="none" w="med" len="med"/>
+                    </a:lnT>
+                    <a:lnB cmpd="sng" algn="ctr" cap="flat" w="28575">
+                      <a:solidFill>
+                        <a:srgbClr val="FFFFFF"/>
+                      </a:solidFill>
+                      <a:prstDash val="solid"/>
+                      <a:round/>
+                      <a:headEnd type="none" w="med" len="med"/>
+                      <a:tailEnd type="none" w="med" len="med"/>
+                    </a:lnB>
+                  </a:tcPr>
+                </a:tc>
+                <a:tc>
+                  <a:txBody>
+                    <a:bodyPr anchor="t" rtlCol="false"/>
+                    <a:lstStyle/>
+                    <a:p>
+                      <a:pPr algn="l">
+                        <a:lnSpc>
+                          <a:spcPts val="2379"/>
+                        </a:lnSpc>
+                        <a:defRPr/>
+                      </a:pPr>
+                      <a:r>
+                        <a:rPr lang="en-US" sz="1699" b="true">
+                          <a:solidFill>
+                            <a:srgbClr val="FFFFFF"/>
+                          </a:solidFill>
+                          <a:latin typeface="Canva Sans Bold"/>
+                          <a:ea typeface="Canva Sans Bold"/>
+                          <a:cs typeface="Canva Sans Bold"/>
+                          <a:sym typeface="Canva Sans Bold"/>
+                        </a:rPr>
+                        <a:t>Java</a:t>
+                      </a:r>
+                      <a:endParaRPr lang="en-US" sz="1100"/>
+                    </a:p>
+                  </a:txBody>
+                  <a:tcPr marL="190500" marR="190500" marT="190500" marB="190500" anchor="ctr">
+                    <a:lnL cmpd="sng" algn="ctr" cap="flat" w="28575">
+                      <a:solidFill>
+                        <a:srgbClr val="FFFFFF"/>
+                      </a:solidFill>
+                      <a:prstDash val="solid"/>
+                      <a:round/>
+                      <a:headEnd type="none" w="med" len="med"/>
+                      <a:tailEnd type="none" w="med" len="med"/>
+                    </a:lnL>
+                    <a:lnR cmpd="sng" algn="ctr" cap="flat" w="28575">
+                      <a:solidFill>
+                        <a:srgbClr val="FFFFFF"/>
+                      </a:solidFill>
+                      <a:prstDash val="solid"/>
+                      <a:round/>
+                      <a:headEnd type="none" w="med" len="med"/>
+                      <a:tailEnd type="none" w="med" len="med"/>
+                    </a:lnR>
+                    <a:lnT cmpd="sng" algn="ctr" cap="flat" w="28575">
+                      <a:solidFill>
+                        <a:srgbClr val="FFFFFF"/>
+                      </a:solidFill>
+                      <a:prstDash val="solid"/>
+                      <a:round/>
+                      <a:headEnd type="none" w="med" len="med"/>
+                      <a:tailEnd type="none" w="med" len="med"/>
+                    </a:lnT>
+                    <a:lnB cmpd="sng" algn="ctr" cap="flat" w="28575">
+                      <a:solidFill>
+                        <a:srgbClr val="FFFFFF"/>
+                      </a:solidFill>
+                      <a:prstDash val="solid"/>
+                      <a:round/>
+                      <a:headEnd type="none" w="med" len="med"/>
+                      <a:tailEnd type="none" w="med" len="med"/>
+                    </a:lnB>
+                  </a:tcPr>
+                </a:tc>
+                <a:tc>
+                  <a:txBody>
+                    <a:bodyPr anchor="t" rtlCol="false"/>
+                    <a:lstStyle/>
+                    <a:p>
+                      <a:pPr algn="l">
+                        <a:lnSpc>
+                          <a:spcPts val="2379"/>
+                        </a:lnSpc>
+                        <a:defRPr/>
+                      </a:pPr>
+                      <a:r>
+                        <a:rPr lang="en-US" sz="1699" b="true">
+                          <a:solidFill>
+                            <a:srgbClr val="FFFFFF"/>
+                          </a:solidFill>
+                          <a:latin typeface="Canva Sans Bold"/>
+                          <a:ea typeface="Canva Sans Bold"/>
+                          <a:cs typeface="Canva Sans Bold"/>
+                          <a:sym typeface="Canva Sans Bold"/>
+                        </a:rPr>
+                        <a:t>Python</a:t>
+                      </a:r>
+                      <a:endParaRPr lang="en-US" sz="1100"/>
+                    </a:p>
+                  </a:txBody>
+                  <a:tcPr marL="190500" marR="190500" marT="190500" marB="190500" anchor="ctr">
+                    <a:lnL cmpd="sng" algn="ctr" cap="flat" w="28575">
+                      <a:solidFill>
+                        <a:srgbClr val="FFFFFF"/>
+                      </a:solidFill>
+                      <a:prstDash val="solid"/>
+                      <a:round/>
+                      <a:headEnd type="none" w="med" len="med"/>
+                      <a:tailEnd type="none" w="med" len="med"/>
+                    </a:lnL>
+                    <a:lnR cmpd="sng" algn="ctr" cap="flat" w="28575">
+                      <a:solidFill>
+                        <a:srgbClr val="FFFFFF"/>
+                      </a:solidFill>
+                      <a:prstDash val="solid"/>
+                      <a:round/>
+                      <a:headEnd type="none" w="med" len="med"/>
+                      <a:tailEnd type="none" w="med" len="med"/>
+                    </a:lnR>
+                    <a:lnT cmpd="sng" algn="ctr" cap="flat" w="28575">
+                      <a:solidFill>
+                        <a:srgbClr val="FFFFFF"/>
+                      </a:solidFill>
+                      <a:prstDash val="solid"/>
+                      <a:round/>
+                      <a:headEnd type="none" w="med" len="med"/>
+                      <a:tailEnd type="none" w="med" len="med"/>
+                    </a:lnT>
+                    <a:lnB cmpd="sng" algn="ctr" cap="flat" w="28575">
+                      <a:solidFill>
+                        <a:srgbClr val="FFFFFF"/>
+                      </a:solidFill>
+                      <a:prstDash val="solid"/>
+                      <a:round/>
+                      <a:headEnd type="none" w="med" len="med"/>
+                      <a:tailEnd type="none" w="med" len="med"/>
+                    </a:lnB>
+                  </a:tcPr>
+                </a:tc>
+              </a:tr>
+              <a:tr h="1301959">
+                <a:tc>
+                  <a:txBody>
+                    <a:bodyPr anchor="t" rtlCol="false"/>
+                    <a:lstStyle/>
+                    <a:p>
+                      <a:pPr algn="l">
+                        <a:lnSpc>
+                          <a:spcPts val="2379"/>
+                        </a:lnSpc>
+                        <a:defRPr/>
+                      </a:pPr>
+                      <a:r>
+                        <a:rPr lang="en-US" sz="1699" b="true">
+                          <a:solidFill>
+                            <a:srgbClr val="FFFFFF"/>
+                          </a:solidFill>
+                          <a:latin typeface="Canva Sans Bold"/>
+                          <a:ea typeface="Canva Sans Bold"/>
+                          <a:cs typeface="Canva Sans Bold"/>
+                          <a:sym typeface="Canva Sans Bold"/>
+                        </a:rPr>
+                        <a:t>¿Existe una lista enlazada propia?</a:t>
+                      </a:r>
+                      <a:endParaRPr lang="en-US" sz="1100"/>
+                    </a:p>
+                  </a:txBody>
+                  <a:tcPr marL="190500" marR="190500" marT="190500" marB="190500" anchor="ctr">
+                    <a:lnL cmpd="sng" algn="ctr" cap="flat" w="28575">
+                      <a:solidFill>
+                        <a:srgbClr val="FFFFFF"/>
+                      </a:solidFill>
+                      <a:prstDash val="solid"/>
+                      <a:round/>
+                      <a:headEnd type="none" w="med" len="med"/>
+                      <a:tailEnd type="none" w="med" len="med"/>
+                    </a:lnL>
+                    <a:lnR cmpd="sng" algn="ctr" cap="flat" w="28575">
+                      <a:solidFill>
+                        <a:srgbClr val="FFFFFF"/>
+                      </a:solidFill>
+                      <a:prstDash val="solid"/>
+                      <a:round/>
+                      <a:headEnd type="none" w="med" len="med"/>
+                      <a:tailEnd type="none" w="med" len="med"/>
+                    </a:lnR>
+                    <a:lnT cmpd="sng" algn="ctr" cap="flat" w="28575">
+                      <a:solidFill>
+                        <a:srgbClr val="FFFFFF"/>
+                      </a:solidFill>
+                      <a:prstDash val="solid"/>
+                      <a:round/>
+                      <a:headEnd type="none" w="med" len="med"/>
+                      <a:tailEnd type="none" w="med" len="med"/>
+                    </a:lnT>
+                    <a:lnB cmpd="sng" algn="ctr" cap="flat" w="28575">
+                      <a:solidFill>
+                        <a:srgbClr val="FFFFFF"/>
+                      </a:solidFill>
+                      <a:prstDash val="solid"/>
+                      <a:round/>
+                      <a:headEnd type="none" w="med" len="med"/>
+                      <a:tailEnd type="none" w="med" len="med"/>
+                    </a:lnB>
+                  </a:tcPr>
+                </a:tc>
+                <a:tc>
+                  <a:txBody>
+                    <a:bodyPr anchor="t" rtlCol="false"/>
+                    <a:lstStyle/>
+                    <a:p>
+                      <a:pPr algn="l">
+                        <a:lnSpc>
+                          <a:spcPts val="2379"/>
+                        </a:lnSpc>
+                        <a:defRPr/>
+                      </a:pPr>
+                      <a:r>
+                        <a:rPr lang="en-US" sz="1699" b="true">
+                          <a:solidFill>
+                            <a:srgbClr val="FFFFFF"/>
+                          </a:solidFill>
+                          <a:latin typeface="Canva Sans Bold"/>
+                          <a:ea typeface="Canva Sans Bold"/>
+                          <a:cs typeface="Canva Sans Bold"/>
+                          <a:sym typeface="Canva Sans Bold"/>
+                        </a:rPr>
+                        <a:t>Sí, con LinkedList en java.util</a:t>
+                      </a:r>
+                      <a:endParaRPr lang="en-US" sz="1100"/>
+                    </a:p>
+                  </a:txBody>
+                  <a:tcPr marL="190500" marR="190500" marT="190500" marB="190500" anchor="ctr">
+                    <a:lnL cmpd="sng" algn="ctr" cap="flat" w="28575">
+                      <a:solidFill>
+                        <a:srgbClr val="FFFFFF"/>
+                      </a:solidFill>
+                      <a:prstDash val="solid"/>
+                      <a:round/>
+                      <a:headEnd type="none" w="med" len="med"/>
+                      <a:tailEnd type="none" w="med" len="med"/>
+                    </a:lnL>
+                    <a:lnR cmpd="sng" algn="ctr" cap="flat" w="28575">
+                      <a:solidFill>
+                        <a:srgbClr val="FFFFFF"/>
+                      </a:solidFill>
+                      <a:prstDash val="solid"/>
+                      <a:round/>
+                      <a:headEnd type="none" w="med" len="med"/>
+                      <a:tailEnd type="none" w="med" len="med"/>
+                    </a:lnR>
+                    <a:lnT cmpd="sng" algn="ctr" cap="flat" w="28575">
+                      <a:solidFill>
+                        <a:srgbClr val="FFFFFF"/>
+                      </a:solidFill>
+                      <a:prstDash val="solid"/>
+                      <a:round/>
+                      <a:headEnd type="none" w="med" len="med"/>
+                      <a:tailEnd type="none" w="med" len="med"/>
+                    </a:lnT>
+                    <a:lnB cmpd="sng" algn="ctr" cap="flat" w="28575">
+                      <a:solidFill>
+                        <a:srgbClr val="FFFFFF"/>
+                      </a:solidFill>
+                      <a:prstDash val="solid"/>
+                      <a:round/>
+                      <a:headEnd type="none" w="med" len="med"/>
+                      <a:tailEnd type="none" w="med" len="med"/>
+                    </a:lnB>
+                  </a:tcPr>
+                </a:tc>
+                <a:tc>
+                  <a:txBody>
+                    <a:bodyPr anchor="t" rtlCol="false"/>
+                    <a:lstStyle/>
+                    <a:p>
+                      <a:pPr algn="l">
+                        <a:lnSpc>
+                          <a:spcPts val="2379"/>
+                        </a:lnSpc>
+                        <a:defRPr/>
+                      </a:pPr>
+                      <a:r>
+                        <a:rPr lang="en-US" sz="1699" b="true">
+                          <a:solidFill>
+                            <a:srgbClr val="FFFFFF"/>
+                          </a:solidFill>
+                          <a:latin typeface="Canva Sans Bold"/>
+                          <a:ea typeface="Canva Sans Bold"/>
+                          <a:cs typeface="Canva Sans Bold"/>
+                          <a:sym typeface="Canva Sans Bold"/>
+                        </a:rPr>
+                        <a:t>No directamente, debes crearla tú o usar collections.deque</a:t>
+                      </a:r>
+                      <a:endParaRPr lang="en-US" sz="1100"/>
+                    </a:p>
+                  </a:txBody>
+                  <a:tcPr marL="190500" marR="190500" marT="190500" marB="190500" anchor="ctr">
+                    <a:lnL cmpd="sng" algn="ctr" cap="flat" w="28575">
+                      <a:solidFill>
+                        <a:srgbClr val="FFFFFF"/>
+                      </a:solidFill>
+                      <a:prstDash val="solid"/>
+                      <a:round/>
+                      <a:headEnd type="none" w="med" len="med"/>
+                      <a:tailEnd type="none" w="med" len="med"/>
+                    </a:lnL>
+                    <a:lnR cmpd="sng" algn="ctr" cap="flat" w="28575">
+                      <a:solidFill>
+                        <a:srgbClr val="FFFFFF"/>
+                      </a:solidFill>
+                      <a:prstDash val="solid"/>
+                      <a:round/>
+                      <a:headEnd type="none" w="med" len="med"/>
+                      <a:tailEnd type="none" w="med" len="med"/>
+                    </a:lnR>
+                    <a:lnT cmpd="sng" algn="ctr" cap="flat" w="28575">
+                      <a:solidFill>
+                        <a:srgbClr val="FFFFFF"/>
+                      </a:solidFill>
+                      <a:prstDash val="solid"/>
+                      <a:round/>
+                      <a:headEnd type="none" w="med" len="med"/>
+                      <a:tailEnd type="none" w="med" len="med"/>
+                    </a:lnT>
+                    <a:lnB cmpd="sng" algn="ctr" cap="flat" w="28575">
+                      <a:solidFill>
+                        <a:srgbClr val="FFFFFF"/>
+                      </a:solidFill>
+                      <a:prstDash val="solid"/>
+                      <a:round/>
+                      <a:headEnd type="none" w="med" len="med"/>
+                      <a:tailEnd type="none" w="med" len="med"/>
+                    </a:lnB>
+                  </a:tcPr>
+                </a:tc>
+              </a:tr>
+              <a:tr h="946678">
+                <a:tc>
+                  <a:txBody>
+                    <a:bodyPr anchor="t" rtlCol="false"/>
+                    <a:lstStyle/>
+                    <a:p>
+                      <a:pPr algn="l">
+                        <a:lnSpc>
+                          <a:spcPts val="2379"/>
+                        </a:lnSpc>
+                        <a:defRPr/>
+                      </a:pPr>
+                      <a:r>
+                        <a:rPr lang="en-US" sz="1699" b="true">
+                          <a:solidFill>
+                            <a:srgbClr val="FFFFFF"/>
+                          </a:solidFill>
+                          <a:latin typeface="Canva Sans Bold"/>
+                          <a:ea typeface="Canva Sans Bold"/>
+                          <a:cs typeface="Canva Sans Bold"/>
+                          <a:sym typeface="Canva Sans Bold"/>
+                        </a:rPr>
+                        <a:t>¿Tipo de dato?</a:t>
+                      </a:r>
+                      <a:endParaRPr lang="en-US" sz="1100"/>
+                    </a:p>
+                  </a:txBody>
+                  <a:tcPr marL="190500" marR="190500" marT="190500" marB="190500" anchor="ctr">
+                    <a:lnL cmpd="sng" algn="ctr" cap="flat" w="28575">
+                      <a:solidFill>
+                        <a:srgbClr val="FFFFFF"/>
+                      </a:solidFill>
+                      <a:prstDash val="solid"/>
+                      <a:round/>
+                      <a:headEnd type="none" w="med" len="med"/>
+                      <a:tailEnd type="none" w="med" len="med"/>
+                    </a:lnL>
+                    <a:lnR cmpd="sng" algn="ctr" cap="flat" w="28575">
+                      <a:solidFill>
+                        <a:srgbClr val="FFFFFF"/>
+                      </a:solidFill>
+                      <a:prstDash val="solid"/>
+                      <a:round/>
+                      <a:headEnd type="none" w="med" len="med"/>
+                      <a:tailEnd type="none" w="med" len="med"/>
+                    </a:lnR>
+                    <a:lnT cmpd="sng" algn="ctr" cap="flat" w="28575">
+                      <a:solidFill>
+                        <a:srgbClr val="FFFFFF"/>
+                      </a:solidFill>
+                      <a:prstDash val="solid"/>
+                      <a:round/>
+                      <a:headEnd type="none" w="med" len="med"/>
+                      <a:tailEnd type="none" w="med" len="med"/>
+                    </a:lnT>
+                    <a:lnB cmpd="sng" algn="ctr" cap="flat" w="28575">
+                      <a:solidFill>
+                        <a:srgbClr val="FFFFFF"/>
+                      </a:solidFill>
+                      <a:prstDash val="solid"/>
+                      <a:round/>
+                      <a:headEnd type="none" w="med" len="med"/>
+                      <a:tailEnd type="none" w="med" len="med"/>
+                    </a:lnB>
+                  </a:tcPr>
+                </a:tc>
+                <a:tc>
+                  <a:txBody>
+                    <a:bodyPr anchor="t" rtlCol="false"/>
+                    <a:lstStyle/>
+                    <a:p>
+                      <a:pPr algn="l">
+                        <a:lnSpc>
+                          <a:spcPts val="2379"/>
+                        </a:lnSpc>
+                        <a:defRPr/>
+                      </a:pPr>
+                      <a:r>
+                        <a:rPr lang="en-US" sz="1699" b="true">
+                          <a:solidFill>
+                            <a:srgbClr val="FFFFFF"/>
+                          </a:solidFill>
+                          <a:latin typeface="Canva Sans Bold"/>
+                          <a:ea typeface="Canva Sans Bold"/>
+                          <a:cs typeface="Canva Sans Bold"/>
+                          <a:sym typeface="Canva Sans Bold"/>
+                        </a:rPr>
+                        <a:t>Estricto (int, String, etc.)</a:t>
+                      </a:r>
+                      <a:endParaRPr lang="en-US" sz="1100"/>
+                    </a:p>
+                  </a:txBody>
+                  <a:tcPr marL="190500" marR="190500" marT="190500" marB="190500" anchor="ctr">
+                    <a:lnL cmpd="sng" algn="ctr" cap="flat" w="28575">
+                      <a:solidFill>
+                        <a:srgbClr val="FFFFFF"/>
+                      </a:solidFill>
+                      <a:prstDash val="solid"/>
+                      <a:round/>
+                      <a:headEnd type="none" w="med" len="med"/>
+                      <a:tailEnd type="none" w="med" len="med"/>
+                    </a:lnL>
+                    <a:lnR cmpd="sng" algn="ctr" cap="flat" w="28575">
+                      <a:solidFill>
+                        <a:srgbClr val="FFFFFF"/>
+                      </a:solidFill>
+                      <a:prstDash val="solid"/>
+                      <a:round/>
+                      <a:headEnd type="none" w="med" len="med"/>
+                      <a:tailEnd type="none" w="med" len="med"/>
+                    </a:lnR>
+                    <a:lnT cmpd="sng" algn="ctr" cap="flat" w="28575">
+                      <a:solidFill>
+                        <a:srgbClr val="FFFFFF"/>
+                      </a:solidFill>
+                      <a:prstDash val="solid"/>
+                      <a:round/>
+                      <a:headEnd type="none" w="med" len="med"/>
+                      <a:tailEnd type="none" w="med" len="med"/>
+                    </a:lnT>
+                    <a:lnB cmpd="sng" algn="ctr" cap="flat" w="28575">
+                      <a:solidFill>
+                        <a:srgbClr val="FFFFFF"/>
+                      </a:solidFill>
+                      <a:prstDash val="solid"/>
+                      <a:round/>
+                      <a:headEnd type="none" w="med" len="med"/>
+                      <a:tailEnd type="none" w="med" len="med"/>
+                    </a:lnB>
+                  </a:tcPr>
+                </a:tc>
+                <a:tc>
+                  <a:txBody>
+                    <a:bodyPr anchor="t" rtlCol="false"/>
+                    <a:lstStyle/>
+                    <a:p>
+                      <a:pPr algn="l">
+                        <a:lnSpc>
+                          <a:spcPts val="2379"/>
+                        </a:lnSpc>
+                        <a:defRPr/>
+                      </a:pPr>
+                      <a:r>
+                        <a:rPr lang="en-US" sz="1699" b="true">
+                          <a:solidFill>
+                            <a:srgbClr val="FFFFFF"/>
+                          </a:solidFill>
+                          <a:latin typeface="Canva Sans Bold"/>
+                          <a:ea typeface="Canva Sans Bold"/>
+                          <a:cs typeface="Canva Sans Bold"/>
+                          <a:sym typeface="Canva Sans Bold"/>
+                        </a:rPr>
+                        <a:t>Dinámico (puede mezclar tipos)</a:t>
+                      </a:r>
+                      <a:endParaRPr lang="en-US" sz="1100"/>
+                    </a:p>
+                  </a:txBody>
+                  <a:tcPr marL="190500" marR="190500" marT="190500" marB="190500" anchor="ctr">
+                    <a:lnL cmpd="sng" algn="ctr" cap="flat" w="28575">
+                      <a:solidFill>
+                        <a:srgbClr val="FFFFFF"/>
+                      </a:solidFill>
+                      <a:prstDash val="solid"/>
+                      <a:round/>
+                      <a:headEnd type="none" w="med" len="med"/>
+                      <a:tailEnd type="none" w="med" len="med"/>
+                    </a:lnL>
+                    <a:lnR cmpd="sng" algn="ctr" cap="flat" w="28575">
+                      <a:solidFill>
+                        <a:srgbClr val="FFFFFF"/>
+                      </a:solidFill>
+                      <a:prstDash val="solid"/>
+                      <a:round/>
+                      <a:headEnd type="none" w="med" len="med"/>
+                      <a:tailEnd type="none" w="med" len="med"/>
+                    </a:lnR>
+                    <a:lnT cmpd="sng" algn="ctr" cap="flat" w="28575">
+                      <a:solidFill>
+                        <a:srgbClr val="FFFFFF"/>
+                      </a:solidFill>
+                      <a:prstDash val="solid"/>
+                      <a:round/>
+                      <a:headEnd type="none" w="med" len="med"/>
+                      <a:tailEnd type="none" w="med" len="med"/>
+                    </a:lnT>
+                    <a:lnB cmpd="sng" algn="ctr" cap="flat" w="28575">
+                      <a:solidFill>
+                        <a:srgbClr val="FFFFFF"/>
+                      </a:solidFill>
+                      <a:prstDash val="solid"/>
+                      <a:round/>
+                      <a:headEnd type="none" w="med" len="med"/>
+                      <a:tailEnd type="none" w="med" len="med"/>
+                    </a:lnB>
+                  </a:tcPr>
+                </a:tc>
+              </a:tr>
+              <a:tr h="1059220">
+                <a:tc>
+                  <a:txBody>
+                    <a:bodyPr anchor="t" rtlCol="false"/>
+                    <a:lstStyle/>
+                    <a:p>
+                      <a:pPr algn="l">
+                        <a:lnSpc>
+                          <a:spcPts val="2379"/>
+                        </a:lnSpc>
+                        <a:defRPr/>
+                      </a:pPr>
+                      <a:r>
+                        <a:rPr lang="en-US" sz="1699" b="true">
+                          <a:solidFill>
+                            <a:srgbClr val="FFFFFF"/>
+                          </a:solidFill>
+                          <a:latin typeface="Canva Sans Bold"/>
+                          <a:ea typeface="Canva Sans Bold"/>
+                          <a:cs typeface="Canva Sans Bold"/>
+                          <a:sym typeface="Canva Sans Bold"/>
+                        </a:rPr>
+                        <a:t>Implementación desde cero</a:t>
+                      </a:r>
+                      <a:endParaRPr lang="en-US" sz="1100"/>
+                    </a:p>
+                  </a:txBody>
+                  <a:tcPr marL="190500" marR="190500" marT="190500" marB="190500" anchor="ctr">
+                    <a:lnL cmpd="sng" algn="ctr" cap="flat" w="28575">
+                      <a:solidFill>
+                        <a:srgbClr val="FFFFFF"/>
+                      </a:solidFill>
+                      <a:prstDash val="solid"/>
+                      <a:round/>
+                      <a:headEnd type="none" w="med" len="med"/>
+                      <a:tailEnd type="none" w="med" len="med"/>
+                    </a:lnL>
+                    <a:lnR cmpd="sng" algn="ctr" cap="flat" w="28575">
+                      <a:solidFill>
+                        <a:srgbClr val="FFFFFF"/>
+                      </a:solidFill>
+                      <a:prstDash val="solid"/>
+                      <a:round/>
+                      <a:headEnd type="none" w="med" len="med"/>
+                      <a:tailEnd type="none" w="med" len="med"/>
+                    </a:lnR>
+                    <a:lnT cmpd="sng" algn="ctr" cap="flat" w="28575">
+                      <a:solidFill>
+                        <a:srgbClr val="FFFFFF"/>
+                      </a:solidFill>
+                      <a:prstDash val="solid"/>
+                      <a:round/>
+                      <a:headEnd type="none" w="med" len="med"/>
+                      <a:tailEnd type="none" w="med" len="med"/>
+                    </a:lnT>
+                    <a:lnB cmpd="sng" algn="ctr" cap="flat" w="28575">
+                      <a:solidFill>
+                        <a:srgbClr val="FFFFFF"/>
+                      </a:solidFill>
+                      <a:prstDash val="solid"/>
+                      <a:round/>
+                      <a:headEnd type="none" w="med" len="med"/>
+                      <a:tailEnd type="none" w="med" len="med"/>
+                    </a:lnB>
+                  </a:tcPr>
+                </a:tc>
+                <a:tc>
+                  <a:txBody>
+                    <a:bodyPr anchor="t" rtlCol="false"/>
+                    <a:lstStyle/>
+                    <a:p>
+                      <a:pPr algn="l">
+                        <a:lnSpc>
+                          <a:spcPts val="2379"/>
+                        </a:lnSpc>
+                        <a:defRPr/>
+                      </a:pPr>
+                      <a:r>
+                        <a:rPr lang="en-US" sz="1699" b="true">
+                          <a:solidFill>
+                            <a:srgbClr val="FFFFFF"/>
+                          </a:solidFill>
+                          <a:latin typeface="Canva Sans Bold"/>
+                          <a:ea typeface="Canva Sans Bold"/>
+                          <a:cs typeface="Canva Sans Bold"/>
+                          <a:sym typeface="Canva Sans Bold"/>
+                        </a:rPr>
+                        <a:t>Necesita crear clases (Nodo, Lista)</a:t>
+                      </a:r>
+                      <a:endParaRPr lang="en-US" sz="1100"/>
+                    </a:p>
+                  </a:txBody>
+                  <a:tcPr marL="190500" marR="190500" marT="190500" marB="190500" anchor="ctr">
+                    <a:lnL cmpd="sng" algn="ctr" cap="flat" w="28575">
+                      <a:solidFill>
+                        <a:srgbClr val="FFFFFF"/>
+                      </a:solidFill>
+                      <a:prstDash val="solid"/>
+                      <a:round/>
+                      <a:headEnd type="none" w="med" len="med"/>
+                      <a:tailEnd type="none" w="med" len="med"/>
+                    </a:lnL>
+                    <a:lnR cmpd="sng" algn="ctr" cap="flat" w="28575">
+                      <a:solidFill>
+                        <a:srgbClr val="FFFFFF"/>
+                      </a:solidFill>
+                      <a:prstDash val="solid"/>
+                      <a:round/>
+                      <a:headEnd type="none" w="med" len="med"/>
+                      <a:tailEnd type="none" w="med" len="med"/>
+                    </a:lnR>
+                    <a:lnT cmpd="sng" algn="ctr" cap="flat" w="28575">
+                      <a:solidFill>
+                        <a:srgbClr val="FFFFFF"/>
+                      </a:solidFill>
+                      <a:prstDash val="solid"/>
+                      <a:round/>
+                      <a:headEnd type="none" w="med" len="med"/>
+                      <a:tailEnd type="none" w="med" len="med"/>
+                    </a:lnT>
+                    <a:lnB cmpd="sng" algn="ctr" cap="flat" w="28575">
+                      <a:solidFill>
+                        <a:srgbClr val="FFFFFF"/>
+                      </a:solidFill>
+                      <a:prstDash val="solid"/>
+                      <a:round/>
+                      <a:headEnd type="none" w="med" len="med"/>
+                      <a:tailEnd type="none" w="med" len="med"/>
+                    </a:lnB>
+                  </a:tcPr>
+                </a:tc>
+                <a:tc>
+                  <a:txBody>
+                    <a:bodyPr anchor="t" rtlCol="false"/>
+                    <a:lstStyle/>
+                    <a:p>
+                      <a:pPr algn="l">
+                        <a:lnSpc>
+                          <a:spcPts val="2379"/>
+                        </a:lnSpc>
+                        <a:defRPr/>
+                      </a:pPr>
+                      <a:r>
+                        <a:rPr lang="en-US" sz="1699" b="true">
+                          <a:solidFill>
+                            <a:srgbClr val="FFFFFF"/>
+                          </a:solidFill>
+                          <a:latin typeface="Canva Sans Bold"/>
+                          <a:ea typeface="Canva Sans Bold"/>
+                          <a:cs typeface="Canva Sans Bold"/>
+                          <a:sym typeface="Canva Sans Bold"/>
+                        </a:rPr>
+                        <a:t>Más simple y directa con clases</a:t>
+                      </a:r>
+                      <a:endParaRPr lang="en-US" sz="1100"/>
+                    </a:p>
+                  </a:txBody>
+                  <a:tcPr marL="190500" marR="190500" marT="190500" marB="190500" anchor="ctr">
+                    <a:lnL cmpd="sng" algn="ctr" cap="flat" w="28575">
+                      <a:solidFill>
+                        <a:srgbClr val="FFFFFF"/>
+                      </a:solidFill>
+                      <a:prstDash val="solid"/>
+                      <a:round/>
+                      <a:headEnd type="none" w="med" len="med"/>
+                      <a:tailEnd type="none" w="med" len="med"/>
+                    </a:lnL>
+                    <a:lnR cmpd="sng" algn="ctr" cap="flat" w="28575">
+                      <a:solidFill>
+                        <a:srgbClr val="FFFFFF"/>
+                      </a:solidFill>
+                      <a:prstDash val="solid"/>
+                      <a:round/>
+                      <a:headEnd type="none" w="med" len="med"/>
+                      <a:tailEnd type="none" w="med" len="med"/>
+                    </a:lnR>
+                    <a:lnT cmpd="sng" algn="ctr" cap="flat" w="28575">
+                      <a:solidFill>
+                        <a:srgbClr val="FFFFFF"/>
+                      </a:solidFill>
+                      <a:prstDash val="solid"/>
+                      <a:round/>
+                      <a:headEnd type="none" w="med" len="med"/>
+                      <a:tailEnd type="none" w="med" len="med"/>
+                    </a:lnT>
+                    <a:lnB cmpd="sng" algn="ctr" cap="flat" w="28575">
+                      <a:solidFill>
+                        <a:srgbClr val="FFFFFF"/>
+                      </a:solidFill>
+                      <a:prstDash val="solid"/>
+                      <a:round/>
+                      <a:headEnd type="none" w="med" len="med"/>
+                      <a:tailEnd type="none" w="med" len="med"/>
+                    </a:lnB>
+                  </a:tcPr>
+                </a:tc>
+              </a:tr>
+              <a:tr h="1059220">
+                <a:tc>
+                  <a:txBody>
+                    <a:bodyPr anchor="t" rtlCol="false"/>
+                    <a:lstStyle/>
+                    <a:p>
+                      <a:pPr algn="l">
+                        <a:lnSpc>
+                          <a:spcPts val="2379"/>
+                        </a:lnSpc>
+                        <a:defRPr/>
+                      </a:pPr>
+                      <a:r>
+                        <a:rPr lang="en-US" sz="1699" b="true">
+                          <a:solidFill>
+                            <a:srgbClr val="FFFFFF"/>
+                          </a:solidFill>
+                          <a:latin typeface="Canva Sans Bold"/>
+                          <a:ea typeface="Canva Sans Bold"/>
+                          <a:cs typeface="Canva Sans Bold"/>
+                          <a:sym typeface="Canva Sans Bold"/>
+                        </a:rPr>
+                        <a:t>Métodos incorporados</a:t>
+                      </a:r>
+                      <a:endParaRPr lang="en-US" sz="1100"/>
+                    </a:p>
+                  </a:txBody>
+                  <a:tcPr marL="190500" marR="190500" marT="190500" marB="190500" anchor="ctr">
+                    <a:lnL cmpd="sng" algn="ctr" cap="flat" w="28575">
+                      <a:solidFill>
+                        <a:srgbClr val="FFFFFF"/>
+                      </a:solidFill>
+                      <a:prstDash val="solid"/>
+                      <a:round/>
+                      <a:headEnd type="none" w="med" len="med"/>
+                      <a:tailEnd type="none" w="med" len="med"/>
+                    </a:lnL>
+                    <a:lnR cmpd="sng" algn="ctr" cap="flat" w="28575">
+                      <a:solidFill>
+                        <a:srgbClr val="FFFFFF"/>
+                      </a:solidFill>
+                      <a:prstDash val="solid"/>
+                      <a:round/>
+                      <a:headEnd type="none" w="med" len="med"/>
+                      <a:tailEnd type="none" w="med" len="med"/>
+                    </a:lnR>
+                    <a:lnT cmpd="sng" algn="ctr" cap="flat" w="28575">
+                      <a:solidFill>
+                        <a:srgbClr val="FFFFFF"/>
+                      </a:solidFill>
+                      <a:prstDash val="solid"/>
+                      <a:round/>
+                      <a:headEnd type="none" w="med" len="med"/>
+                      <a:tailEnd type="none" w="med" len="med"/>
+                    </a:lnT>
+                    <a:lnB cmpd="sng" algn="ctr" cap="flat" w="28575">
+                      <a:solidFill>
+                        <a:srgbClr val="FFFFFF"/>
+                      </a:solidFill>
+                      <a:prstDash val="solid"/>
+                      <a:round/>
+                      <a:headEnd type="none" w="med" len="med"/>
+                      <a:tailEnd type="none" w="med" len="med"/>
+                    </a:lnB>
+                  </a:tcPr>
+                </a:tc>
+                <a:tc>
+                  <a:txBody>
+                    <a:bodyPr anchor="t" rtlCol="false"/>
+                    <a:lstStyle/>
+                    <a:p>
+                      <a:pPr algn="l">
+                        <a:lnSpc>
+                          <a:spcPts val="2379"/>
+                        </a:lnSpc>
+                        <a:defRPr/>
+                      </a:pPr>
+                      <a:r>
+                        <a:rPr lang="en-US" sz="1699" b="true">
+                          <a:solidFill>
+                            <a:srgbClr val="FFFFFF"/>
+                          </a:solidFill>
+                          <a:latin typeface="Canva Sans Bold"/>
+                          <a:ea typeface="Canva Sans Bold"/>
+                          <a:cs typeface="Canva Sans Bold"/>
+                          <a:sym typeface="Canva Sans Bold"/>
+                        </a:rPr>
+                        <a:t>Muchos: add(), remove(), get(), etc.</a:t>
+                      </a:r>
+                      <a:endParaRPr lang="en-US" sz="1100"/>
+                    </a:p>
+                  </a:txBody>
+                  <a:tcPr marL="190500" marR="190500" marT="190500" marB="190500" anchor="ctr">
+                    <a:lnL cmpd="sng" algn="ctr" cap="flat" w="28575">
+                      <a:solidFill>
+                        <a:srgbClr val="FFFFFF"/>
+                      </a:solidFill>
+                      <a:prstDash val="solid"/>
+                      <a:round/>
+                      <a:headEnd type="none" w="med" len="med"/>
+                      <a:tailEnd type="none" w="med" len="med"/>
+                    </a:lnL>
+                    <a:lnR cmpd="sng" algn="ctr" cap="flat" w="28575">
+                      <a:solidFill>
+                        <a:srgbClr val="FFFFFF"/>
+                      </a:solidFill>
+                      <a:prstDash val="solid"/>
+                      <a:round/>
+                      <a:headEnd type="none" w="med" len="med"/>
+                      <a:tailEnd type="none" w="med" len="med"/>
+                    </a:lnR>
+                    <a:lnT cmpd="sng" algn="ctr" cap="flat" w="28575">
+                      <a:solidFill>
+                        <a:srgbClr val="FFFFFF"/>
+                      </a:solidFill>
+                      <a:prstDash val="solid"/>
+                      <a:round/>
+                      <a:headEnd type="none" w="med" len="med"/>
+                      <a:tailEnd type="none" w="med" len="med"/>
+                    </a:lnT>
+                    <a:lnB cmpd="sng" algn="ctr" cap="flat" w="28575">
+                      <a:solidFill>
+                        <a:srgbClr val="FFFFFF"/>
+                      </a:solidFill>
+                      <a:prstDash val="solid"/>
+                      <a:round/>
+                      <a:headEnd type="none" w="med" len="med"/>
+                      <a:tailEnd type="none" w="med" len="med"/>
+                    </a:lnB>
+                  </a:tcPr>
+                </a:tc>
+                <a:tc>
+                  <a:txBody>
+                    <a:bodyPr anchor="t" rtlCol="false"/>
+                    <a:lstStyle/>
+                    <a:p>
+                      <a:pPr algn="l">
+                        <a:lnSpc>
+                          <a:spcPts val="2379"/>
+                        </a:lnSpc>
+                        <a:defRPr/>
+                      </a:pPr>
+                      <a:r>
+                        <a:rPr lang="en-US" sz="1699" b="true">
+                          <a:solidFill>
+                            <a:srgbClr val="FFFFFF"/>
+                          </a:solidFill>
+                          <a:latin typeface="Canva Sans Bold"/>
+                          <a:ea typeface="Canva Sans Bold"/>
+                          <a:cs typeface="Canva Sans Bold"/>
+                          <a:sym typeface="Canva Sans Bold"/>
+                        </a:rPr>
+                        <a:t>Si se implementa desde cero, todo se hace manual</a:t>
+                      </a:r>
+                      <a:endParaRPr lang="en-US" sz="1100"/>
+                    </a:p>
+                  </a:txBody>
+                  <a:tcPr marL="190500" marR="190500" marT="190500" marB="190500" anchor="ctr">
+                    <a:lnL cmpd="sng" algn="ctr" cap="flat" w="28575">
+                      <a:solidFill>
+                        <a:srgbClr val="FFFFFF"/>
+                      </a:solidFill>
+                      <a:prstDash val="solid"/>
+                      <a:round/>
+                      <a:headEnd type="none" w="med" len="med"/>
+                      <a:tailEnd type="none" w="med" len="med"/>
+                    </a:lnL>
+                    <a:lnR cmpd="sng" algn="ctr" cap="flat" w="28575">
+                      <a:solidFill>
+                        <a:srgbClr val="FFFFFF"/>
+                      </a:solidFill>
+                      <a:prstDash val="solid"/>
+                      <a:round/>
+                      <a:headEnd type="none" w="med" len="med"/>
+                      <a:tailEnd type="none" w="med" len="med"/>
+                    </a:lnR>
+                    <a:lnT cmpd="sng" algn="ctr" cap="flat" w="28575">
+                      <a:solidFill>
+                        <a:srgbClr val="FFFFFF"/>
+                      </a:solidFill>
+                      <a:prstDash val="solid"/>
+                      <a:round/>
+                      <a:headEnd type="none" w="med" len="med"/>
+                      <a:tailEnd type="none" w="med" len="med"/>
+                    </a:lnT>
+                    <a:lnB cmpd="sng" algn="ctr" cap="flat" w="28575">
+                      <a:solidFill>
+                        <a:srgbClr val="FFFFFF"/>
+                      </a:solidFill>
+                      <a:prstDash val="solid"/>
+                      <a:round/>
+                      <a:headEnd type="none" w="med" len="med"/>
+                      <a:tailEnd type="none" w="med" len="med"/>
+                    </a:lnB>
+                  </a:tcPr>
+                </a:tc>
+              </a:tr>
+            </a:tbl>
+          </a:graphicData>
+        </a:graphic>
+      </p:graphicFrame>
+      <p:sp>
+        <p:nvSpPr>
+          <p:cNvPr name="TextBox 3" id="3"/>
+          <p:cNvSpPr txBox="true"/>
+          <p:nvPr/>
+        </p:nvSpPr>
+        <p:spPr>
+          <a:xfrm rot="0">
+            <a:off x="17259300" y="9210675"/>
+            <a:ext cx="152400" cy="200025"/>
+          </a:xfrm>
+          <a:prstGeom prst="rect">
+            <a:avLst/>
+          </a:prstGeom>
+        </p:spPr>
+        <p:txBody>
+          <a:bodyPr anchor="t" rtlCol="false" tIns="0" lIns="0" bIns="0" rIns="0" wrap="none">
+            <a:spAutoFit/>
+          </a:bodyPr>
+          <a:lstStyle/>
+          <a:p>
+            <a:pPr algn="ctr">
+              <a:lnSpc>
+                <a:spcPts val="2800"/>
+              </a:lnSpc>
+              <a:spcBef>
+                <a:spcPct val="0"/>
+              </a:spcBef>
+            </a:pPr>
+            <a:r>
+              <a:rPr lang="en-US" sz="2000">
+                <a:solidFill>
+                  <a:srgbClr val="000000"/>
+                </a:solidFill>
+                <a:latin typeface="Open Sans"/>
+                <a:ea typeface="Open Sans"/>
+                <a:cs typeface="Open Sans"/>
+                <a:sym typeface="Open Sans"/>
+              </a:rPr>
+              <a:t>19</a:t>
+            </a:r>
+          </a:p>
+        </p:txBody>
+      </p:sp>
+      <p:sp>
+        <p:nvSpPr>
+          <p:cNvPr name="TextBox 4" id="4"/>
+          <p:cNvSpPr txBox="true"/>
+          <p:nvPr/>
+        </p:nvSpPr>
+        <p:spPr>
+          <a:xfrm rot="0">
+            <a:off x="1028700" y="809625"/>
+            <a:ext cx="13093719" cy="1965474"/>
+          </a:xfrm>
+          <a:prstGeom prst="rect">
+            <a:avLst/>
+          </a:prstGeom>
+        </p:spPr>
+        <p:txBody>
+          <a:bodyPr anchor="t" rtlCol="false" tIns="0" lIns="0" bIns="0" rIns="0">
+            <a:spAutoFit/>
+          </a:bodyPr>
+          <a:lstStyle/>
+          <a:p>
+            <a:pPr algn="l">
+              <a:lnSpc>
+                <a:spcPts val="16091"/>
+              </a:lnSpc>
+              <a:spcBef>
+                <a:spcPct val="0"/>
+              </a:spcBef>
+            </a:pPr>
+            <a:r>
+              <a:rPr lang="en-US" sz="11494">
+                <a:solidFill>
+                  <a:srgbClr val="FFFFFF"/>
+                </a:solidFill>
+                <a:latin typeface="Anton"/>
+                <a:ea typeface="Anton"/>
+                <a:cs typeface="Anton"/>
+                <a:sym typeface="Anton"/>
+              </a:rPr>
+              <a:t>PYTHON   VS   JAVA</a:t>
+            </a:r>
+          </a:p>
+        </p:txBody>
+      </p:sp>
+    </p:spTree>
+  </p:cSld>
+  <p:clrMapOvr>
+    <a:masterClrMapping/>
+  </p:clrMapOvr>
+</p:sld>
+</file>
+
+<file path=ppt/slides/slide2.xml><?xml version="1.0" encoding="utf-8"?>
 <p:sld xmlns:p="http://schemas.openxmlformats.org/presentationml/2006/main" xmlns:a="http://schemas.openxmlformats.org/drawingml/2006/main" xmlns:r="http://schemas.openxmlformats.org/officeDocument/2006/relationships">
   <p:cSld>
     <p:bg>
@@ -6070,7 +7190,7 @@
         </p:nvGrpSpPr>
         <p:grpSpPr>
           <a:xfrm rot="0">
-            <a:off x="0" y="0"/>
+            <a:off x="0" y="9258300"/>
             <a:ext cx="18288000" cy="1028700"/>
             <a:chOff x="0" y="0"/>
             <a:chExt cx="4816593" cy="270933"/>
@@ -6152,8 +7272,8 @@
         </p:nvSpPr>
         <p:spPr>
           <a:xfrm flipH="false" flipV="false" rot="0">
-            <a:off x="12212557" y="5570647"/>
-            <a:ext cx="4206894" cy="3373164"/>
+            <a:off x="9597453" y="2775153"/>
+            <a:ext cx="8042398" cy="6035283"/>
           </a:xfrm>
           <a:custGeom>
             <a:avLst/>
@@ -6162,18 +7282,18 @@
             <a:cxnLst/>
             <a:rect r="r" b="b" t="t" l="l"/>
             <a:pathLst>
-              <a:path h="3373164" w="4206894">
+              <a:path h="6035283" w="8042398">
                 <a:moveTo>
                   <a:pt x="0" y="0"/>
                 </a:moveTo>
                 <a:lnTo>
-                  <a:pt x="4206893" y="0"/>
-                </a:lnTo>
-                <a:lnTo>
-                  <a:pt x="4206893" y="3373164"/>
-                </a:lnTo>
-                <a:lnTo>
-                  <a:pt x="0" y="3373164"/>
+                  <a:pt x="8042398" y="0"/>
+                </a:lnTo>
+                <a:lnTo>
+                  <a:pt x="8042398" y="6035283"/>
+                </a:lnTo>
+                <a:lnTo>
+                  <a:pt x="0" y="6035283"/>
                 </a:lnTo>
                 <a:lnTo>
                   <a:pt x="0" y="0"/>
@@ -6183,13 +7303,7 @@
             </a:pathLst>
           </a:custGeom>
           <a:blipFill>
-            <a:blip r:embed="rId2">
-              <a:extLst>
-                <a:ext uri="{96DAC541-7B7A-43D3-8B79-37D633B846F1}">
-                  <asvg:svgBlip xmlns:asvg="http://schemas.microsoft.com/office/drawing/2016/SVG/main" r:embed="rId3"/>
-                </a:ext>
-              </a:extLst>
-            </a:blip>
+            <a:blip r:embed="rId2"/>
             <a:stretch>
               <a:fillRect l="0" t="0" r="0" b="0"/>
             </a:stretch>
@@ -6204,8 +7318,8 @@
         </p:nvSpPr>
         <p:spPr>
           <a:xfrm rot="0">
-            <a:off x="10012810" y="1710046"/>
-            <a:ext cx="6406640" cy="1533685"/>
+            <a:off x="1028700" y="809625"/>
+            <a:ext cx="7403982" cy="1965528"/>
           </a:xfrm>
           <a:prstGeom prst="rect">
             <a:avLst/>
@@ -6217,51 +7331,7 @@
           </a:bodyPr>
           <a:lstStyle/>
           <a:p>
-            <a:pPr algn="just">
-              <a:lnSpc>
-                <a:spcPts val="12592"/>
-              </a:lnSpc>
-              <a:spcBef>
-                <a:spcPct val="0"/>
-              </a:spcBef>
-            </a:pPr>
-            <a:r>
-              <a:rPr lang="en-US" sz="8994">
-                <a:solidFill>
-                  <a:srgbClr val="FFFFFF"/>
-                </a:solidFill>
-                <a:latin typeface="Anton"/>
-                <a:ea typeface="Anton"/>
-                <a:cs typeface="Anton"/>
-                <a:sym typeface="Anton"/>
-              </a:rPr>
-              <a:t>CUANDO USAR</a:t>
-            </a:r>
-          </a:p>
-        </p:txBody>
-      </p:sp>
-      <p:sp>
-        <p:nvSpPr>
-          <p:cNvPr name="TextBox 7" id="7"/>
-          <p:cNvSpPr txBox="true"/>
-          <p:nvPr/>
-        </p:nvSpPr>
-        <p:spPr>
-          <a:xfrm rot="0">
-            <a:off x="10012810" y="3178026"/>
-            <a:ext cx="6406640" cy="1965528"/>
-          </a:xfrm>
-          <a:prstGeom prst="rect">
-            <a:avLst/>
-          </a:prstGeom>
-        </p:spPr>
-        <p:txBody>
-          <a:bodyPr anchor="t" rtlCol="false" tIns="0" lIns="0" bIns="0" rIns="0">
-            <a:spAutoFit/>
-          </a:bodyPr>
-          <a:lstStyle/>
-          <a:p>
-            <a:pPr algn="just">
+            <a:pPr algn="l">
               <a:lnSpc>
                 <a:spcPts val="16091"/>
               </a:lnSpc>
@@ -6272,28 +7342,28 @@
             <a:r>
               <a:rPr lang="en-US" sz="11494">
                 <a:solidFill>
-                  <a:srgbClr val="FC9E19"/>
+                  <a:srgbClr val="FFFFFF"/>
                 </a:solidFill>
                 <a:latin typeface="Anton"/>
                 <a:ea typeface="Anton"/>
                 <a:cs typeface="Anton"/>
                 <a:sym typeface="Anton"/>
               </a:rPr>
-              <a:t>ARRAY LIST</a:t>
-            </a:r>
-          </a:p>
-        </p:txBody>
-      </p:sp>
-      <p:sp>
-        <p:nvSpPr>
-          <p:cNvPr name="TextBox 8" id="8"/>
+              <a:t>DEFINICIONES</a:t>
+            </a:r>
+          </a:p>
+        </p:txBody>
+      </p:sp>
+      <p:sp>
+        <p:nvSpPr>
+          <p:cNvPr name="TextBox 7" id="7"/>
           <p:cNvSpPr txBox="true"/>
           <p:nvPr/>
         </p:nvSpPr>
         <p:spPr>
           <a:xfrm rot="0">
-            <a:off x="1028700" y="4515743"/>
-            <a:ext cx="8634016" cy="4872791"/>
+            <a:off x="1028700" y="3359665"/>
+            <a:ext cx="7895797" cy="4446249"/>
           </a:xfrm>
           <a:prstGeom prst="rect">
             <a:avLst/>
@@ -6305,15 +7375,13 @@
           </a:bodyPr>
           <a:lstStyle/>
           <a:p>
-            <a:pPr algn="l" marL="552239" indent="-276119" lvl="1">
+            <a:pPr algn="l">
               <a:lnSpc>
-                <a:spcPts val="3580"/>
+                <a:spcPts val="4402"/>
               </a:lnSpc>
-              <a:buFont typeface="Arial"/>
-              <a:buChar char="•"/>
             </a:pPr>
             <a:r>
-              <a:rPr lang="en-US" sz="2557">
+              <a:rPr lang="en-US" sz="3144">
                 <a:solidFill>
                   <a:srgbClr val="FFFFFF"/>
                 </a:solidFill>
@@ -6322,19 +7390,19 @@
                 <a:cs typeface="Questrial"/>
                 <a:sym typeface="Questrial"/>
               </a:rPr>
-              <a:t>Necesitas acceder rápidamente a los elementos por su índice.</a:t>
-            </a:r>
-          </a:p>
-          <a:p>
-            <a:pPr algn="l" marL="552239" indent="-276119" lvl="1">
+              <a:t>¿Qué es una lista?</a:t>
+            </a:r>
+          </a:p>
+          <a:p>
+            <a:pPr algn="l" marL="678898" indent="-339449" lvl="1">
               <a:lnSpc>
-                <a:spcPts val="3580"/>
+                <a:spcPts val="4402"/>
               </a:lnSpc>
               <a:buFont typeface="Arial"/>
               <a:buChar char="•"/>
             </a:pPr>
             <a:r>
-              <a:rPr lang="en-US" sz="2557">
+              <a:rPr lang="en-US" sz="3144">
                 <a:solidFill>
                   <a:srgbClr val="FFFFFF"/>
                 </a:solidFill>
@@ -6343,19 +7411,19 @@
                 <a:cs typeface="Questrial"/>
                 <a:sym typeface="Questrial"/>
               </a:rPr>
-              <a:t>La cantidad de datos no cambia demasiado (o cambia principalmente al final).</a:t>
-            </a:r>
-          </a:p>
-          <a:p>
-            <a:pPr algn="l" marL="552239" indent="-276119" lvl="1">
+              <a:t>Una lista es una estructura de datos secuencial que permite almacenar elementos manera ordenada.</a:t>
+            </a:r>
+          </a:p>
+          <a:p>
+            <a:pPr algn="l" marL="678898" indent="-339449" lvl="1">
               <a:lnSpc>
-                <a:spcPts val="3580"/>
+                <a:spcPts val="4402"/>
               </a:lnSpc>
               <a:buFont typeface="Arial"/>
               <a:buChar char="•"/>
             </a:pPr>
             <a:r>
-              <a:rPr lang="en-US" sz="2557">
+              <a:rPr lang="en-US" sz="3144">
                 <a:solidFill>
                   <a:srgbClr val="FFFFFF"/>
                 </a:solidFill>
@@ -6364,121 +7432,17 @@
                 <a:cs typeface="Questrial"/>
                 <a:sym typeface="Questrial"/>
               </a:rPr>
-              <a:t>Te importa el rendimiento en lectura más que en inserción o eliminación.</a:t>
-            </a:r>
-          </a:p>
-          <a:p>
-            <a:pPr algn="l" marL="552239" indent="-276119" lvl="1">
-              <a:lnSpc>
-                <a:spcPts val="3580"/>
-              </a:lnSpc>
-              <a:buFont typeface="Arial"/>
-              <a:buChar char="•"/>
-            </a:pPr>
-            <a:r>
-              <a:rPr lang="en-US" sz="2557">
-                <a:solidFill>
-                  <a:srgbClr val="FFFFFF"/>
-                </a:solidFill>
-                <a:latin typeface="Questrial"/>
-                <a:ea typeface="Questrial"/>
-                <a:cs typeface="Questrial"/>
-                <a:sym typeface="Questrial"/>
-              </a:rPr>
-              <a:t>No te importa que el array tenga que crecer (redimensionarse) ocasionalmente.</a:t>
+              <a:t>Las listas pueden contener datos duplicados y el orden de inserción se mantiene.</a:t>
             </a:r>
           </a:p>
           <a:p>
             <a:pPr algn="l">
               <a:lnSpc>
-                <a:spcPts val="3580"/>
+                <a:spcPts val="4402"/>
               </a:lnSpc>
             </a:pPr>
-            <a:r>
-              <a:rPr lang="en-US" sz="2557">
-                <a:solidFill>
-                  <a:srgbClr val="FFFFFF"/>
-                </a:solidFill>
-                <a:latin typeface="Questrial"/>
-                <a:ea typeface="Questrial"/>
-                <a:cs typeface="Questrial"/>
-                <a:sym typeface="Questrial"/>
-              </a:rPr>
-              <a:t> </a:t>
-            </a:r>
-            <a:r>
-              <a:rPr lang="en-US" sz="2557">
-                <a:solidFill>
-                  <a:srgbClr val="FFFFFF"/>
-                </a:solidFill>
-                <a:latin typeface="Questrial"/>
-                <a:ea typeface="Questrial"/>
-                <a:cs typeface="Questrial"/>
-                <a:sym typeface="Questrial"/>
-              </a:rPr>
-              <a:t>Ejemplo típico: mostrar un catálogo de productos donde se accede mucho por índice.</a:t>
-            </a:r>
-          </a:p>
-          <a:p>
-            <a:pPr algn="l">
-              <a:lnSpc>
-                <a:spcPts val="3160"/>
-              </a:lnSpc>
-            </a:pPr>
-          </a:p>
-        </p:txBody>
-      </p:sp>
-      <p:sp>
-        <p:nvSpPr>
-          <p:cNvPr name="Freeform 9" id="9"/>
-          <p:cNvSpPr/>
-          <p:nvPr/>
-        </p:nvSpPr>
-        <p:spPr>
-          <a:xfrm flipH="false" flipV="false" rot="0">
-            <a:off x="3339228" y="1571200"/>
-            <a:ext cx="3594479" cy="2699127"/>
-          </a:xfrm>
-          <a:custGeom>
-            <a:avLst/>
-            <a:gdLst/>
-            <a:ahLst/>
-            <a:cxnLst/>
-            <a:rect r="r" b="b" t="t" l="l"/>
-            <a:pathLst>
-              <a:path h="2699127" w="3594479">
-                <a:moveTo>
-                  <a:pt x="0" y="0"/>
-                </a:moveTo>
-                <a:lnTo>
-                  <a:pt x="3594479" y="0"/>
-                </a:lnTo>
-                <a:lnTo>
-                  <a:pt x="3594479" y="2699127"/>
-                </a:lnTo>
-                <a:lnTo>
-                  <a:pt x="0" y="2699127"/>
-                </a:lnTo>
-                <a:lnTo>
-                  <a:pt x="0" y="0"/>
-                </a:lnTo>
-                <a:close/>
-              </a:path>
-            </a:pathLst>
-          </a:custGeom>
-          <a:blipFill>
-            <a:blip r:embed="rId4">
-              <a:extLst>
-                <a:ext uri="{96DAC541-7B7A-43D3-8B79-37D633B846F1}">
-                  <asvg:svgBlip xmlns:asvg="http://schemas.microsoft.com/office/drawing/2016/SVG/main" r:embed="rId5"/>
-                </a:ext>
-              </a:extLst>
-            </a:blip>
-            <a:stretch>
-              <a:fillRect l="0" t="0" r="0" b="0"/>
-            </a:stretch>
-          </a:blipFill>
-        </p:spPr>
+          </a:p>
+        </p:txBody>
       </p:sp>
     </p:spTree>
   </p:cSld>
@@ -6488,7 +7452,198 @@
 </p:sld>
 </file>
 
-<file path=ppt/slides/slide2.xml><?xml version="1.0" encoding="utf-8"?>
+<file path=ppt/slides/slide20.xml><?xml version="1.0" encoding="utf-8"?>
+<p:sld xmlns:p="http://schemas.openxmlformats.org/presentationml/2006/main" xmlns:a="http://schemas.openxmlformats.org/drawingml/2006/main" xmlns:r="http://schemas.openxmlformats.org/officeDocument/2006/relationships">
+  <p:cSld>
+    <p:bg>
+      <p:bgPr>
+        <a:solidFill>
+          <a:srgbClr val="5E5BA9"/>
+        </a:solidFill>
+      </p:bgPr>
+    </p:bg>
+    <p:spTree>
+      <p:nvGrpSpPr>
+        <p:cNvPr id="1" name=""/>
+        <p:cNvGrpSpPr/>
+        <p:nvPr/>
+      </p:nvGrpSpPr>
+      <p:grpSpPr>
+        <a:xfrm>
+          <a:off x="0" y="0"/>
+          <a:ext cx="0" cy="0"/>
+          <a:chOff x="0" y="0"/>
+          <a:chExt cx="0" cy="0"/>
+        </a:xfrm>
+      </p:grpSpPr>
+      <p:sp>
+        <p:nvSpPr>
+          <p:cNvPr name="Freeform 2" id="2"/>
+          <p:cNvSpPr/>
+          <p:nvPr/>
+        </p:nvSpPr>
+        <p:spPr>
+          <a:xfrm flipH="false" flipV="false" rot="0">
+            <a:off x="1763779" y="643909"/>
+            <a:ext cx="4296256" cy="9123511"/>
+          </a:xfrm>
+          <a:custGeom>
+            <a:avLst/>
+            <a:gdLst/>
+            <a:ahLst/>
+            <a:cxnLst/>
+            <a:rect r="r" b="b" t="t" l="l"/>
+            <a:pathLst>
+              <a:path h="9123511" w="4296256">
+                <a:moveTo>
+                  <a:pt x="0" y="0"/>
+                </a:moveTo>
+                <a:lnTo>
+                  <a:pt x="4296257" y="0"/>
+                </a:lnTo>
+                <a:lnTo>
+                  <a:pt x="4296257" y="9123510"/>
+                </a:lnTo>
+                <a:lnTo>
+                  <a:pt x="0" y="9123510"/>
+                </a:lnTo>
+                <a:lnTo>
+                  <a:pt x="0" y="0"/>
+                </a:lnTo>
+                <a:close/>
+              </a:path>
+            </a:pathLst>
+          </a:custGeom>
+          <a:blipFill>
+            <a:blip r:embed="rId2"/>
+            <a:stretch>
+              <a:fillRect l="0" t="0" r="0" b="0"/>
+            </a:stretch>
+          </a:blipFill>
+          <a:ln w="9525" cap="sq">
+            <a:solidFill>
+              <a:srgbClr val="000000"/>
+            </a:solidFill>
+            <a:prstDash val="solid"/>
+            <a:miter/>
+          </a:ln>
+        </p:spPr>
+      </p:sp>
+      <p:sp>
+        <p:nvSpPr>
+          <p:cNvPr name="Freeform 3" id="3"/>
+          <p:cNvSpPr/>
+          <p:nvPr/>
+        </p:nvSpPr>
+        <p:spPr>
+          <a:xfrm flipH="false" flipV="false" rot="0">
+            <a:off x="11530215" y="581745"/>
+            <a:ext cx="4976591" cy="9247839"/>
+          </a:xfrm>
+          <a:custGeom>
+            <a:avLst/>
+            <a:gdLst/>
+            <a:ahLst/>
+            <a:cxnLst/>
+            <a:rect r="r" b="b" t="t" l="l"/>
+            <a:pathLst>
+              <a:path h="9247839" w="4976591">
+                <a:moveTo>
+                  <a:pt x="0" y="0"/>
+                </a:moveTo>
+                <a:lnTo>
+                  <a:pt x="4976591" y="0"/>
+                </a:lnTo>
+                <a:lnTo>
+                  <a:pt x="4976591" y="9247839"/>
+                </a:lnTo>
+                <a:lnTo>
+                  <a:pt x="0" y="9247839"/>
+                </a:lnTo>
+                <a:lnTo>
+                  <a:pt x="0" y="0"/>
+                </a:lnTo>
+                <a:close/>
+              </a:path>
+            </a:pathLst>
+          </a:custGeom>
+          <a:blipFill>
+            <a:blip r:embed="rId3"/>
+            <a:stretch>
+              <a:fillRect l="0" t="0" r="0" b="0"/>
+            </a:stretch>
+          </a:blipFill>
+          <a:ln w="9525" cap="sq">
+            <a:solidFill>
+              <a:srgbClr val="000000"/>
+            </a:solidFill>
+            <a:prstDash val="solid"/>
+            <a:miter/>
+          </a:ln>
+        </p:spPr>
+      </p:sp>
+      <p:sp>
+        <p:nvSpPr>
+          <p:cNvPr name="Freeform 4" id="4"/>
+          <p:cNvSpPr/>
+          <p:nvPr/>
+        </p:nvSpPr>
+        <p:spPr>
+          <a:xfrm flipH="false" flipV="false" rot="0">
+            <a:off x="5860889" y="3823438"/>
+            <a:ext cx="4710809" cy="2640124"/>
+          </a:xfrm>
+          <a:custGeom>
+            <a:avLst/>
+            <a:gdLst/>
+            <a:ahLst/>
+            <a:cxnLst/>
+            <a:rect r="r" b="b" t="t" l="l"/>
+            <a:pathLst>
+              <a:path h="2640124" w="4710809">
+                <a:moveTo>
+                  <a:pt x="0" y="0"/>
+                </a:moveTo>
+                <a:lnTo>
+                  <a:pt x="4710809" y="0"/>
+                </a:lnTo>
+                <a:lnTo>
+                  <a:pt x="4710809" y="2640124"/>
+                </a:lnTo>
+                <a:lnTo>
+                  <a:pt x="0" y="2640124"/>
+                </a:lnTo>
+                <a:lnTo>
+                  <a:pt x="0" y="0"/>
+                </a:lnTo>
+                <a:close/>
+              </a:path>
+            </a:pathLst>
+          </a:custGeom>
+          <a:blipFill>
+            <a:blip r:embed="rId4"/>
+            <a:stretch>
+              <a:fillRect l="0" t="0" r="0" b="0"/>
+            </a:stretch>
+          </a:blipFill>
+          <a:ln w="9525" cap="sq">
+            <a:solidFill>
+              <a:srgbClr val="000000"/>
+            </a:solidFill>
+            <a:prstDash val="solid"/>
+            <a:miter/>
+          </a:ln>
+        </p:spPr>
+      </p:sp>
+    </p:spTree>
+  </p:cSld>
+  <p:clrMapOvr>
+    <a:masterClrMapping/>
+  </p:clrMapOvr>
+</p:sld>
+</file>
+
+<file path=ppt/slides/slide21.xml><?xml version="1.0" encoding="utf-8"?>
 <p:sld xmlns:p="http://schemas.openxmlformats.org/presentationml/2006/main" xmlns:a="http://schemas.openxmlformats.org/drawingml/2006/main" xmlns:r="http://schemas.openxmlformats.org/officeDocument/2006/relationships">
   <p:cSld>
     <p:bg>
@@ -6520,7 +7675,7 @@
         </p:nvGrpSpPr>
         <p:grpSpPr>
           <a:xfrm rot="0">
-            <a:off x="0" y="9258300"/>
+            <a:off x="0" y="0"/>
             <a:ext cx="18288000" cy="1028700"/>
             <a:chOff x="0" y="0"/>
             <a:chExt cx="4816593" cy="270933"/>
@@ -6602,8 +7757,8 @@
         </p:nvSpPr>
         <p:spPr>
           <a:xfrm flipH="false" flipV="false" rot="0">
-            <a:off x="9597453" y="2775153"/>
-            <a:ext cx="8042398" cy="6035283"/>
+            <a:off x="12212557" y="5570647"/>
+            <a:ext cx="4206894" cy="3373164"/>
           </a:xfrm>
           <a:custGeom>
             <a:avLst/>
@@ -6612,18 +7767,18 @@
             <a:cxnLst/>
             <a:rect r="r" b="b" t="t" l="l"/>
             <a:pathLst>
-              <a:path h="6035283" w="8042398">
+              <a:path h="3373164" w="4206894">
                 <a:moveTo>
                   <a:pt x="0" y="0"/>
                 </a:moveTo>
                 <a:lnTo>
-                  <a:pt x="8042398" y="0"/>
-                </a:lnTo>
-                <a:lnTo>
-                  <a:pt x="8042398" y="6035283"/>
-                </a:lnTo>
-                <a:lnTo>
-                  <a:pt x="0" y="6035283"/>
+                  <a:pt x="4206893" y="0"/>
+                </a:lnTo>
+                <a:lnTo>
+                  <a:pt x="4206893" y="3373164"/>
+                </a:lnTo>
+                <a:lnTo>
+                  <a:pt x="0" y="3373164"/>
                 </a:lnTo>
                 <a:lnTo>
                   <a:pt x="0" y="0"/>
@@ -6633,7 +7788,13 @@
             </a:pathLst>
           </a:custGeom>
           <a:blipFill>
-            <a:blip r:embed="rId2"/>
+            <a:blip r:embed="rId2">
+              <a:extLst>
+                <a:ext uri="{96DAC541-7B7A-43D3-8B79-37D633B846F1}">
+                  <asvg:svgBlip xmlns:asvg="http://schemas.microsoft.com/office/drawing/2016/SVG/main" r:embed="rId3"/>
+                </a:ext>
+              </a:extLst>
+            </a:blip>
             <a:stretch>
               <a:fillRect l="0" t="0" r="0" b="0"/>
             </a:stretch>
@@ -6648,8 +7809,8 @@
         </p:nvSpPr>
         <p:spPr>
           <a:xfrm rot="0">
-            <a:off x="1028700" y="809625"/>
-            <a:ext cx="7403982" cy="1965528"/>
+            <a:off x="10012810" y="1710046"/>
+            <a:ext cx="6406640" cy="1533685"/>
           </a:xfrm>
           <a:prstGeom prst="rect">
             <a:avLst/>
@@ -6661,7 +7822,51 @@
           </a:bodyPr>
           <a:lstStyle/>
           <a:p>
-            <a:pPr algn="l">
+            <a:pPr algn="just">
+              <a:lnSpc>
+                <a:spcPts val="12592"/>
+              </a:lnSpc>
+              <a:spcBef>
+                <a:spcPct val="0"/>
+              </a:spcBef>
+            </a:pPr>
+            <a:r>
+              <a:rPr lang="en-US" sz="8994">
+                <a:solidFill>
+                  <a:srgbClr val="FFFFFF"/>
+                </a:solidFill>
+                <a:latin typeface="Anton"/>
+                <a:ea typeface="Anton"/>
+                <a:cs typeface="Anton"/>
+                <a:sym typeface="Anton"/>
+              </a:rPr>
+              <a:t>CUANDO USAR</a:t>
+            </a:r>
+          </a:p>
+        </p:txBody>
+      </p:sp>
+      <p:sp>
+        <p:nvSpPr>
+          <p:cNvPr name="TextBox 7" id="7"/>
+          <p:cNvSpPr txBox="true"/>
+          <p:nvPr/>
+        </p:nvSpPr>
+        <p:spPr>
+          <a:xfrm rot="0">
+            <a:off x="10012810" y="3178026"/>
+            <a:ext cx="6406640" cy="1965528"/>
+          </a:xfrm>
+          <a:prstGeom prst="rect">
+            <a:avLst/>
+          </a:prstGeom>
+        </p:spPr>
+        <p:txBody>
+          <a:bodyPr anchor="t" rtlCol="false" tIns="0" lIns="0" bIns="0" rIns="0">
+            <a:spAutoFit/>
+          </a:bodyPr>
+          <a:lstStyle/>
+          <a:p>
+            <a:pPr algn="just">
               <a:lnSpc>
                 <a:spcPts val="16091"/>
               </a:lnSpc>
@@ -6672,28 +7877,28 @@
             <a:r>
               <a:rPr lang="en-US" sz="11494">
                 <a:solidFill>
-                  <a:srgbClr val="FFFFFF"/>
+                  <a:srgbClr val="FC9E19"/>
                 </a:solidFill>
                 <a:latin typeface="Anton"/>
                 <a:ea typeface="Anton"/>
                 <a:cs typeface="Anton"/>
                 <a:sym typeface="Anton"/>
               </a:rPr>
-              <a:t>DEFINICIONES</a:t>
-            </a:r>
-          </a:p>
-        </p:txBody>
-      </p:sp>
-      <p:sp>
-        <p:nvSpPr>
-          <p:cNvPr name="TextBox 7" id="7"/>
+              <a:t>ARRAY LIST</a:t>
+            </a:r>
+          </a:p>
+        </p:txBody>
+      </p:sp>
+      <p:sp>
+        <p:nvSpPr>
+          <p:cNvPr name="TextBox 8" id="8"/>
           <p:cNvSpPr txBox="true"/>
           <p:nvPr/>
         </p:nvSpPr>
         <p:spPr>
           <a:xfrm rot="0">
-            <a:off x="1028700" y="3359665"/>
-            <a:ext cx="7895797" cy="4446249"/>
+            <a:off x="1028700" y="4515743"/>
+            <a:ext cx="8634016" cy="4872791"/>
           </a:xfrm>
           <a:prstGeom prst="rect">
             <a:avLst/>
@@ -6705,13 +7910,15 @@
           </a:bodyPr>
           <a:lstStyle/>
           <a:p>
-            <a:pPr algn="l">
+            <a:pPr algn="l" marL="552239" indent="-276119" lvl="1">
               <a:lnSpc>
-                <a:spcPts val="4402"/>
+                <a:spcPts val="3580"/>
               </a:lnSpc>
+              <a:buFont typeface="Arial"/>
+              <a:buChar char="•"/>
             </a:pPr>
             <a:r>
-              <a:rPr lang="en-US" sz="3144">
+              <a:rPr lang="en-US" sz="2557">
                 <a:solidFill>
                   <a:srgbClr val="FFFFFF"/>
                 </a:solidFill>
@@ -6720,19 +7927,19 @@
                 <a:cs typeface="Questrial"/>
                 <a:sym typeface="Questrial"/>
               </a:rPr>
-              <a:t>¿Qué es una lista?</a:t>
-            </a:r>
-          </a:p>
-          <a:p>
-            <a:pPr algn="l" marL="678898" indent="-339449" lvl="1">
+              <a:t>Necesitas acceder rápidamente a los elementos por su índice.</a:t>
+            </a:r>
+          </a:p>
+          <a:p>
+            <a:pPr algn="l" marL="552239" indent="-276119" lvl="1">
               <a:lnSpc>
-                <a:spcPts val="4402"/>
+                <a:spcPts val="3580"/>
               </a:lnSpc>
               <a:buFont typeface="Arial"/>
               <a:buChar char="•"/>
             </a:pPr>
             <a:r>
-              <a:rPr lang="en-US" sz="3144">
+              <a:rPr lang="en-US" sz="2557">
                 <a:solidFill>
                   <a:srgbClr val="FFFFFF"/>
                 </a:solidFill>
@@ -6741,19 +7948,19 @@
                 <a:cs typeface="Questrial"/>
                 <a:sym typeface="Questrial"/>
               </a:rPr>
-              <a:t>Una lista es una estructura de datos secuencial que permite almacenar elementos manera ordenada.</a:t>
-            </a:r>
-          </a:p>
-          <a:p>
-            <a:pPr algn="l" marL="678898" indent="-339449" lvl="1">
+              <a:t>La cantidad de datos no cambia demasiado (o cambia principalmente al final).</a:t>
+            </a:r>
+          </a:p>
+          <a:p>
+            <a:pPr algn="l" marL="552239" indent="-276119" lvl="1">
               <a:lnSpc>
-                <a:spcPts val="4402"/>
+                <a:spcPts val="3580"/>
               </a:lnSpc>
               <a:buFont typeface="Arial"/>
               <a:buChar char="•"/>
             </a:pPr>
             <a:r>
-              <a:rPr lang="en-US" sz="3144">
+              <a:rPr lang="en-US" sz="2557">
                 <a:solidFill>
                   <a:srgbClr val="FFFFFF"/>
                 </a:solidFill>
@@ -6762,17 +7969,121 @@
                 <a:cs typeface="Questrial"/>
                 <a:sym typeface="Questrial"/>
               </a:rPr>
-              <a:t>Las listas pueden contener datos duplicados y el orden de inserción se mantiene.</a:t>
+              <a:t>Te importa el rendimiento en lectura más que en inserción o eliminación.</a:t>
+            </a:r>
+          </a:p>
+          <a:p>
+            <a:pPr algn="l" marL="552239" indent="-276119" lvl="1">
+              <a:lnSpc>
+                <a:spcPts val="3580"/>
+              </a:lnSpc>
+              <a:buFont typeface="Arial"/>
+              <a:buChar char="•"/>
+            </a:pPr>
+            <a:r>
+              <a:rPr lang="en-US" sz="2557">
+                <a:solidFill>
+                  <a:srgbClr val="FFFFFF"/>
+                </a:solidFill>
+                <a:latin typeface="Questrial"/>
+                <a:ea typeface="Questrial"/>
+                <a:cs typeface="Questrial"/>
+                <a:sym typeface="Questrial"/>
+              </a:rPr>
+              <a:t>No te importa que el array tenga que crecer (redimensionarse) ocasionalmente.</a:t>
             </a:r>
           </a:p>
           <a:p>
             <a:pPr algn="l">
               <a:lnSpc>
-                <a:spcPts val="4402"/>
+                <a:spcPts val="3580"/>
               </a:lnSpc>
             </a:pPr>
-          </a:p>
-        </p:txBody>
+            <a:r>
+              <a:rPr lang="en-US" sz="2557">
+                <a:solidFill>
+                  <a:srgbClr val="FFFFFF"/>
+                </a:solidFill>
+                <a:latin typeface="Questrial"/>
+                <a:ea typeface="Questrial"/>
+                <a:cs typeface="Questrial"/>
+                <a:sym typeface="Questrial"/>
+              </a:rPr>
+              <a:t> </a:t>
+            </a:r>
+            <a:r>
+              <a:rPr lang="en-US" sz="2557">
+                <a:solidFill>
+                  <a:srgbClr val="FFFFFF"/>
+                </a:solidFill>
+                <a:latin typeface="Questrial"/>
+                <a:ea typeface="Questrial"/>
+                <a:cs typeface="Questrial"/>
+                <a:sym typeface="Questrial"/>
+              </a:rPr>
+              <a:t>Ejemplo típico: mostrar un catálogo de productos donde se accede mucho por índice.</a:t>
+            </a:r>
+          </a:p>
+          <a:p>
+            <a:pPr algn="l">
+              <a:lnSpc>
+                <a:spcPts val="3160"/>
+              </a:lnSpc>
+            </a:pPr>
+          </a:p>
+        </p:txBody>
+      </p:sp>
+      <p:sp>
+        <p:nvSpPr>
+          <p:cNvPr name="Freeform 9" id="9"/>
+          <p:cNvSpPr/>
+          <p:nvPr/>
+        </p:nvSpPr>
+        <p:spPr>
+          <a:xfrm flipH="false" flipV="false" rot="0">
+            <a:off x="3339228" y="1571200"/>
+            <a:ext cx="3594479" cy="2699127"/>
+          </a:xfrm>
+          <a:custGeom>
+            <a:avLst/>
+            <a:gdLst/>
+            <a:ahLst/>
+            <a:cxnLst/>
+            <a:rect r="r" b="b" t="t" l="l"/>
+            <a:pathLst>
+              <a:path h="2699127" w="3594479">
+                <a:moveTo>
+                  <a:pt x="0" y="0"/>
+                </a:moveTo>
+                <a:lnTo>
+                  <a:pt x="3594479" y="0"/>
+                </a:lnTo>
+                <a:lnTo>
+                  <a:pt x="3594479" y="2699127"/>
+                </a:lnTo>
+                <a:lnTo>
+                  <a:pt x="0" y="2699127"/>
+                </a:lnTo>
+                <a:lnTo>
+                  <a:pt x="0" y="0"/>
+                </a:lnTo>
+                <a:close/>
+              </a:path>
+            </a:pathLst>
+          </a:custGeom>
+          <a:blipFill>
+            <a:blip r:embed="rId4">
+              <a:extLst>
+                <a:ext uri="{96DAC541-7B7A-43D3-8B79-37D633B846F1}">
+                  <asvg:svgBlip xmlns:asvg="http://schemas.microsoft.com/office/drawing/2016/SVG/main" r:embed="rId5"/>
+                </a:ext>
+              </a:extLst>
+            </a:blip>
+            <a:stretch>
+              <a:fillRect l="0" t="0" r="0" b="0"/>
+            </a:stretch>
+          </a:blipFill>
+        </p:spPr>
       </p:sp>
     </p:spTree>
   </p:cSld>
@@ -6782,7 +8093,7 @@
 </p:sld>
 </file>
 
-<file path=ppt/slides/slide20.xml><?xml version="1.0" encoding="utf-8"?>
+<file path=ppt/slides/slide22.xml><?xml version="1.0" encoding="utf-8"?>
 <p:sld xmlns:p="http://schemas.openxmlformats.org/presentationml/2006/main" xmlns:a="http://schemas.openxmlformats.org/drawingml/2006/main" xmlns:r="http://schemas.openxmlformats.org/officeDocument/2006/relationships">
   <p:cSld>
     <p:bg>
@@ -7251,7 +8562,7 @@
 </p:sld>
 </file>
 
-<file path=ppt/slides/slide21.xml><?xml version="1.0" encoding="utf-8"?>
+<file path=ppt/slides/slide23.xml><?xml version="1.0" encoding="utf-8"?>
 <p:sld xmlns:p="http://schemas.openxmlformats.org/presentationml/2006/main" xmlns:a="http://schemas.openxmlformats.org/drawingml/2006/main" xmlns:r="http://schemas.openxmlformats.org/officeDocument/2006/relationships">
   <p:cSld>
     <p:bg>
